--- a/FINAL_PRESENTATION.pptx
+++ b/FINAL_PRESENTATION.pptx
@@ -30,6 +30,7 @@
     <p:sldId id="277" r:id="rId25"/>
     <p:sldId id="278" r:id="rId26"/>
     <p:sldId id="279" r:id="rId27"/>
+    <p:sldId id="280" r:id="rId28"/>
   </p:sldIdLst>
   <p:sldSz cx="12192000" cy="6858000"/>
   <p:notesSz cx="7772400" cy="10058400"/>
@@ -706,7 +707,7 @@
                 <a:tab algn="l" pos="0"/>
               </a:tabLst>
             </a:pPr>
-            <a:fld id="{DB7113A5-D262-4316-9FC2-608A2C949FEF}" type="slidenum">
+            <a:fld id="{4C30DDDE-3166-4CF6-B649-F47353B46EA9}" type="slidenum">
               <a:rPr b="0" lang="en-US" sz="1050" strike="noStrike" u="none">
                 <a:solidFill>
                   <a:srgbClr val="ffffff"/>
@@ -1475,7 +1476,7 @@
                 <a:tab algn="l" pos="0"/>
               </a:tabLst>
             </a:pPr>
-            <a:fld id="{CD5BE1FF-D2DF-4901-BFC8-1C72488F18AA}" type="slidenum">
+            <a:fld id="{DCDC2BCE-CFA0-48A7-9FE9-F7F55C2CAB60}" type="slidenum">
               <a:rPr b="0" lang="en-US" sz="1050" strike="noStrike" u="none">
                 <a:solidFill>
                   <a:srgbClr val="ffffff"/>
@@ -2222,7 +2223,7 @@
                 <a:tab algn="l" pos="0"/>
               </a:tabLst>
             </a:pPr>
-            <a:fld id="{519B950D-21F0-419D-969D-B5E12A0B87D3}" type="slidenum">
+            <a:fld id="{E927AA5D-08C5-4747-8C36-3DFE091E0C77}" type="slidenum">
               <a:rPr b="0" lang="en-US" sz="1050" strike="noStrike" u="none">
                 <a:solidFill>
                   <a:srgbClr val="ffffff"/>
@@ -3083,7 +3084,7 @@
                 <a:tab algn="l" pos="0"/>
               </a:tabLst>
             </a:pPr>
-            <a:fld id="{675B3C53-7C54-44A3-B2C6-37869508C5EF}" type="slidenum">
+            <a:fld id="{E2D1B335-C46D-4B20-A5A9-9FEF5BB8CE1D}" type="slidenum">
               <a:rPr b="0" lang="en-US" sz="1050" strike="noStrike" u="none">
                 <a:solidFill>
                   <a:srgbClr val="ffffff"/>
@@ -3830,7 +3831,7 @@
                 <a:tab algn="l" pos="0"/>
               </a:tabLst>
             </a:pPr>
-            <a:fld id="{FE5F6296-82D7-4118-8991-D11802FCB25B}" type="slidenum">
+            <a:fld id="{A70EDEC0-96AE-446D-BBFF-3E39BB1432D6}" type="slidenum">
               <a:rPr b="0" lang="en-US" sz="1050" strike="noStrike" u="none">
                 <a:solidFill>
                   <a:srgbClr val="ffffff"/>
@@ -4442,7 +4443,7 @@
                 <a:tab algn="l" pos="0"/>
               </a:tabLst>
             </a:pPr>
-            <a:fld id="{A395A63B-CBAA-4298-9AF5-90AA60589902}" type="slidenum">
+            <a:fld id="{4A55B0FE-E768-4EB8-B1E4-8A0AD016FD95}" type="slidenum">
               <a:rPr b="0" lang="en-US" sz="1050" strike="noStrike" u="none">
                 <a:solidFill>
                   <a:srgbClr val="ffffff"/>
@@ -5496,7 +5497,7 @@
                 <a:tab algn="l" pos="0"/>
               </a:tabLst>
             </a:pPr>
-            <a:fld id="{61E5C491-4919-4970-B4D7-1B347DAE8AF3}" type="slidenum">
+            <a:fld id="{A9D26DE6-99D3-4A18-BC64-23AE81BEFC9F}" type="slidenum">
               <a:rPr b="0" lang="en-US" sz="1050" strike="noStrike" u="none">
                 <a:solidFill>
                   <a:srgbClr val="ffffff"/>
@@ -6472,7 +6473,7 @@
                 <a:tab algn="l" pos="0"/>
               </a:tabLst>
             </a:pPr>
-            <a:fld id="{6F6F9A07-FFF1-4761-B29B-ED5148E3B62D}" type="slidenum">
+            <a:fld id="{39E00ABF-80F3-4962-BD6B-AF195566FA57}" type="slidenum">
               <a:rPr b="0" lang="en-US" sz="1050" strike="noStrike" u="none">
                 <a:solidFill>
                   <a:srgbClr val="ffffff"/>
@@ -7578,7 +7579,7 @@
                 <a:tab algn="l" pos="0"/>
               </a:tabLst>
             </a:pPr>
-            <a:fld id="{D035E9DE-86E1-4A49-87D8-BB5FF6723148}" type="slidenum">
+            <a:fld id="{F71C8F57-70CB-4965-A6A7-F6E6973B42F8}" type="slidenum">
               <a:rPr b="0" lang="en-US" sz="1050" strike="noStrike" u="none">
                 <a:solidFill>
                   <a:srgbClr val="ffffff"/>
@@ -8096,7 +8097,7 @@
                 <a:tab algn="l" pos="0"/>
               </a:tabLst>
             </a:pPr>
-            <a:fld id="{46A63360-0D56-4EFD-AB96-1055890D69B7}" type="slidenum">
+            <a:fld id="{AA7A4A97-A3C6-4588-A952-6C57021FCE6F}" type="slidenum">
               <a:rPr b="0" lang="en-US" sz="1050" strike="noStrike" u="none">
                 <a:solidFill>
                   <a:srgbClr val="ffffff"/>
@@ -8666,7 +8667,7 @@
                 <a:tab algn="l" pos="0"/>
               </a:tabLst>
             </a:pPr>
-            <a:fld id="{C9B93935-C02D-4314-822D-9A26DCF25BBF}" type="slidenum">
+            <a:fld id="{EF20F890-198B-483B-891E-7B90EC38B642}" type="slidenum">
               <a:rPr b="0" lang="en-US" sz="1050" strike="noStrike" u="none">
                 <a:solidFill>
                   <a:srgbClr val="ffffff"/>
@@ -9652,7 +9653,7 @@
                 <a:tab algn="l" pos="0"/>
               </a:tabLst>
             </a:pPr>
-            <a:fld id="{70FA702B-34D1-4A79-B6A8-CBAC6C1B05B4}" type="slidenum">
+            <a:fld id="{018F7C1D-0222-4DBB-BE6F-C14D45C19140}" type="slidenum">
               <a:rPr b="0" lang="en-US" sz="1050" strike="noStrike" u="none">
                 <a:solidFill>
                   <a:srgbClr val="ffffff"/>
@@ -10892,7 +10893,7 @@
                 <a:tab algn="l" pos="0"/>
               </a:tabLst>
             </a:pPr>
-            <a:fld id="{4B9996AF-95C1-4568-B404-72D1B9B496DB}" type="slidenum">
+            <a:fld id="{2D6E0957-C0C6-40DB-AE50-20FA30957AAC}" type="slidenum">
               <a:rPr b="0" lang="en-US" sz="1050" strike="noStrike" u="none">
                 <a:solidFill>
                   <a:schemeClr val="lt2"/>
@@ -11652,7 +11653,7 @@
                 <a:tab algn="l" pos="0"/>
               </a:tabLst>
             </a:pPr>
-            <a:fld id="{0C0F5203-1A5D-4616-A12B-643A3E0A0FA5}" type="slidenum">
+            <a:fld id="{8B536631-0141-4280-A686-31EAD43FC0D1}" type="slidenum">
               <a:rPr b="0" lang="en-US" sz="1050" strike="noStrike" u="none">
                 <a:solidFill>
                   <a:srgbClr val="ffffff"/>
@@ -12222,7 +12223,7 @@
                 <a:tab algn="l" pos="0"/>
               </a:tabLst>
             </a:pPr>
-            <a:fld id="{1901897D-2BA2-4BB9-9711-555B217BA226}" type="slidenum">
+            <a:fld id="{CC54C295-0C51-448F-BB51-2CA2C804E073}" type="slidenum">
               <a:rPr b="0" lang="en-US" sz="1050" strike="noStrike" u="none">
                 <a:solidFill>
                   <a:srgbClr val="ffffff"/>
@@ -16224,7 +16225,7 @@
                 <a:uFillTx/>
                 <a:latin typeface="Calibri"/>
               </a:rPr>
-              <a:t>Where should we act first to cut losses fastest? </a:t>
+              <a:t>Where should we act first to cut losses the fastest? </a:t>
             </a:r>
             <a:endParaRPr b="0" lang="en-US" sz="2800" strike="noStrike" u="none">
               <a:solidFill>
@@ -16264,7 +16265,7 @@
                 <a:uFillTx/>
                 <a:latin typeface="Calibri"/>
               </a:rPr>
-              <a:t>What else plays a role here? Do GDP and population explain the volume of incidents?</a:t>
+              <a:t>What else plays a role here? Could GDP and population explain the volume of incidents?</a:t>
             </a:r>
             <a:endParaRPr b="0" lang="en-US" sz="2800" strike="noStrike" u="none">
               <a:solidFill>
@@ -18416,6 +18417,113 @@
           <a:xfrm>
             <a:off x="1171800" y="2890800"/>
             <a:ext cx="2999160" cy="2294280"/>
+          </a:xfrm>
+          <a:prstGeom prst="rect">
+            <a:avLst/>
+          </a:prstGeom>
+          <a:noFill/>
+          <a:ln w="0">
+            <a:noFill/>
+          </a:ln>
+        </p:spPr>
+      </p:pic>
+    </p:spTree>
+  </p:cSld>
+  <mc:AlternateContent>
+    <mc:Choice Requires="p14">
+      <p:transition spd="slow" p14:dur="2000"/>
+    </mc:Choice>
+    <mc:Fallback>
+      <p:transition spd="slow"/>
+    </mc:Fallback>
+  </mc:AlternateContent>
+</p:sld>
+</file>
+
+<file path=ppt/slides/slide25.xml><?xml version="1.0" encoding="utf-8"?>
+<p:sld xmlns:a="http://schemas.openxmlformats.org/drawingml/2006/main" xmlns:p="http://schemas.openxmlformats.org/presentationml/2006/main" xmlns:r="http://schemas.openxmlformats.org/officeDocument/2006/relationships" xmlns:p14="http://schemas.microsoft.com/office/powerpoint/2010/main" xmlns:p15="http://schemas.microsoft.com/office/powerpoint/2012/main" xmlns:mc="http://schemas.openxmlformats.org/markup-compatibility/2006">
+  <p:cSld>
+    <p:spTree>
+      <p:nvGrpSpPr>
+        <p:cNvPr id="1" name=""/>
+        <p:cNvGrpSpPr/>
+        <p:nvPr/>
+      </p:nvGrpSpPr>
+      <p:grpSpPr>
+        <a:xfrm>
+          <a:off x="0" y="0"/>
+          <a:ext cx="0" cy="0"/>
+          <a:chOff x="0" y="0"/>
+          <a:chExt cx="0" cy="0"/>
+        </a:xfrm>
+      </p:grpSpPr>
+      <p:sp>
+        <p:nvSpPr>
+          <p:cNvPr id="247" name="PlaceHolder 1"/>
+          <p:cNvSpPr>
+            <a:spLocks noGrp="1"/>
+          </p:cNvSpPr>
+          <p:nvPr>
+            <p:ph type="title"/>
+          </p:nvPr>
+        </p:nvSpPr>
+        <p:spPr>
+          <a:xfrm>
+            <a:off x="1097280" y="286560"/>
+            <a:ext cx="10057320" cy="1449720"/>
+          </a:xfrm>
+          <a:prstGeom prst="rect">
+            <a:avLst/>
+          </a:prstGeom>
+          <a:noFill/>
+          <a:ln w="0">
+            <a:noFill/>
+          </a:ln>
+        </p:spPr>
+        <p:txBody>
+          <a:bodyPr lIns="0" rIns="0" tIns="0" bIns="0" anchor="ctr">
+            <a:spAutoFit/>
+          </a:bodyPr>
+          <a:p>
+            <a:pPr indent="0" algn="ctr">
+              <a:buNone/>
+            </a:pPr>
+            <a:r>
+              <a:rPr b="0" lang="en-US" sz="4400" strike="noStrike" u="none">
+                <a:solidFill>
+                  <a:srgbClr val="ffffff"/>
+                </a:solidFill>
+                <a:effectLst/>
+                <a:uFillTx/>
+                <a:latin typeface="Arial"/>
+              </a:rPr>
+              <a:t>Jupyter Notebook</a:t>
+            </a:r>
+            <a:endParaRPr b="0" lang="en-US" sz="4400" strike="noStrike" u="none">
+              <a:solidFill>
+                <a:srgbClr val="ffffff"/>
+              </a:solidFill>
+              <a:effectLst/>
+              <a:uFillTx/>
+              <a:latin typeface="Arial"/>
+            </a:endParaRPr>
+          </a:p>
+        </p:txBody>
+      </p:sp>
+      <p:pic>
+        <p:nvPicPr>
+          <p:cNvPr id="248" name="" descr=""/>
+          <p:cNvPicPr/>
+          <p:nvPr/>
+        </p:nvPicPr>
+        <p:blipFill>
+          <a:blip r:embed="rId1"/>
+          <a:stretch/>
+        </p:blipFill>
+        <p:spPr>
+          <a:xfrm>
+            <a:off x="1097280" y="1845720"/>
+            <a:ext cx="10057320" cy="4022280"/>
           </a:xfrm>
           <a:prstGeom prst="rect">
             <a:avLst/>
@@ -20346,7 +20454,18 @@
                 <a:uFillTx/>
                 <a:latin typeface="Calibri Light"/>
               </a:rPr>
-              <a:t>A 10–15% reduction converts directly into $</a:t>
+              <a:t>A 10–15% reduction converts </a:t>
+            </a:r>
+            <a:r>
+              <a:rPr b="0" lang="en-US" sz="2400" spc="201" strike="noStrike" u="none" cap="all">
+                <a:solidFill>
+                  <a:srgbClr val="ffffff"/>
+                </a:solidFill>
+                <a:effectLst/>
+                <a:uFillTx/>
+                <a:latin typeface="Calibri Light"/>
+              </a:rPr>
+              <a:t>directly into $</a:t>
             </a:r>
             <a:r>
               <a:rPr b="0" lang="pl-PL" sz="2400" spc="201" strike="noStrike" u="none" cap="all">

--- a/FINAL_PRESENTATION.pptx
+++ b/FINAL_PRESENTATION.pptx
@@ -707,7 +707,7 @@
                 <a:tab algn="l" pos="0"/>
               </a:tabLst>
             </a:pPr>
-            <a:fld id="{4C30DDDE-3166-4CF6-B649-F47353B46EA9}" type="slidenum">
+            <a:fld id="{ECBBF317-F621-4E2B-83B4-55F94D603049}" type="slidenum">
               <a:rPr b="0" lang="en-US" sz="1050" strike="noStrike" u="none">
                 <a:solidFill>
                   <a:srgbClr val="ffffff"/>
@@ -1476,7 +1476,7 @@
                 <a:tab algn="l" pos="0"/>
               </a:tabLst>
             </a:pPr>
-            <a:fld id="{DCDC2BCE-CFA0-48A7-9FE9-F7F55C2CAB60}" type="slidenum">
+            <a:fld id="{6CA94F57-9F56-4B3F-BAD1-0A2A043F7B65}" type="slidenum">
               <a:rPr b="0" lang="en-US" sz="1050" strike="noStrike" u="none">
                 <a:solidFill>
                   <a:srgbClr val="ffffff"/>
@@ -2223,7 +2223,7 @@
                 <a:tab algn="l" pos="0"/>
               </a:tabLst>
             </a:pPr>
-            <a:fld id="{E927AA5D-08C5-4747-8C36-3DFE091E0C77}" type="slidenum">
+            <a:fld id="{12D3C83C-C9E7-4589-9412-F96C278EA223}" type="slidenum">
               <a:rPr b="0" lang="en-US" sz="1050" strike="noStrike" u="none">
                 <a:solidFill>
                   <a:srgbClr val="ffffff"/>
@@ -3084,7 +3084,7 @@
                 <a:tab algn="l" pos="0"/>
               </a:tabLst>
             </a:pPr>
-            <a:fld id="{E2D1B335-C46D-4B20-A5A9-9FEF5BB8CE1D}" type="slidenum">
+            <a:fld id="{1805F2E6-49A9-4E65-A01A-ACA66976D8BC}" type="slidenum">
               <a:rPr b="0" lang="en-US" sz="1050" strike="noStrike" u="none">
                 <a:solidFill>
                   <a:srgbClr val="ffffff"/>
@@ -3831,7 +3831,7 @@
                 <a:tab algn="l" pos="0"/>
               </a:tabLst>
             </a:pPr>
-            <a:fld id="{A70EDEC0-96AE-446D-BBFF-3E39BB1432D6}" type="slidenum">
+            <a:fld id="{DB4BB9A7-FAB7-47A1-8E80-BE084EAD7316}" type="slidenum">
               <a:rPr b="0" lang="en-US" sz="1050" strike="noStrike" u="none">
                 <a:solidFill>
                   <a:srgbClr val="ffffff"/>
@@ -4443,7 +4443,7 @@
                 <a:tab algn="l" pos="0"/>
               </a:tabLst>
             </a:pPr>
-            <a:fld id="{4A55B0FE-E768-4EB8-B1E4-8A0AD016FD95}" type="slidenum">
+            <a:fld id="{6A88D668-8379-4E3E-A44A-667A8309BB02}" type="slidenum">
               <a:rPr b="0" lang="en-US" sz="1050" strike="noStrike" u="none">
                 <a:solidFill>
                   <a:srgbClr val="ffffff"/>
@@ -5497,7 +5497,7 @@
                 <a:tab algn="l" pos="0"/>
               </a:tabLst>
             </a:pPr>
-            <a:fld id="{A9D26DE6-99D3-4A18-BC64-23AE81BEFC9F}" type="slidenum">
+            <a:fld id="{78FA229E-7E01-469D-94C8-0603BA30F4BE}" type="slidenum">
               <a:rPr b="0" lang="en-US" sz="1050" strike="noStrike" u="none">
                 <a:solidFill>
                   <a:srgbClr val="ffffff"/>
@@ -6473,7 +6473,7 @@
                 <a:tab algn="l" pos="0"/>
               </a:tabLst>
             </a:pPr>
-            <a:fld id="{39E00ABF-80F3-4962-BD6B-AF195566FA57}" type="slidenum">
+            <a:fld id="{EE1D1797-10A5-4CF1-86E5-8CA5FEE08050}" type="slidenum">
               <a:rPr b="0" lang="en-US" sz="1050" strike="noStrike" u="none">
                 <a:solidFill>
                   <a:srgbClr val="ffffff"/>
@@ -7579,7 +7579,7 @@
                 <a:tab algn="l" pos="0"/>
               </a:tabLst>
             </a:pPr>
-            <a:fld id="{F71C8F57-70CB-4965-A6A7-F6E6973B42F8}" type="slidenum">
+            <a:fld id="{0104AF14-1561-417A-9A64-4868A58C3261}" type="slidenum">
               <a:rPr b="0" lang="en-US" sz="1050" strike="noStrike" u="none">
                 <a:solidFill>
                   <a:srgbClr val="ffffff"/>
@@ -8097,7 +8097,7 @@
                 <a:tab algn="l" pos="0"/>
               </a:tabLst>
             </a:pPr>
-            <a:fld id="{AA7A4A97-A3C6-4588-A952-6C57021FCE6F}" type="slidenum">
+            <a:fld id="{088C1D19-2737-4645-959D-E85179F73E17}" type="slidenum">
               <a:rPr b="0" lang="en-US" sz="1050" strike="noStrike" u="none">
                 <a:solidFill>
                   <a:srgbClr val="ffffff"/>
@@ -8667,7 +8667,7 @@
                 <a:tab algn="l" pos="0"/>
               </a:tabLst>
             </a:pPr>
-            <a:fld id="{EF20F890-198B-483B-891E-7B90EC38B642}" type="slidenum">
+            <a:fld id="{E4EA52B7-F08E-4B8F-8747-BF454C7A66D6}" type="slidenum">
               <a:rPr b="0" lang="en-US" sz="1050" strike="noStrike" u="none">
                 <a:solidFill>
                   <a:srgbClr val="ffffff"/>
@@ -9653,7 +9653,7 @@
                 <a:tab algn="l" pos="0"/>
               </a:tabLst>
             </a:pPr>
-            <a:fld id="{018F7C1D-0222-4DBB-BE6F-C14D45C19140}" type="slidenum">
+            <a:fld id="{AED51B59-31E0-41C1-AEF9-BD18634BCC01}" type="slidenum">
               <a:rPr b="0" lang="en-US" sz="1050" strike="noStrike" u="none">
                 <a:solidFill>
                   <a:srgbClr val="ffffff"/>
@@ -10893,7 +10893,7 @@
                 <a:tab algn="l" pos="0"/>
               </a:tabLst>
             </a:pPr>
-            <a:fld id="{2D6E0957-C0C6-40DB-AE50-20FA30957AAC}" type="slidenum">
+            <a:fld id="{0CC8CD5F-6778-4A44-AA1F-61AE62F8A23E}" type="slidenum">
               <a:rPr b="0" lang="en-US" sz="1050" strike="noStrike" u="none">
                 <a:solidFill>
                   <a:schemeClr val="lt2"/>
@@ -11653,7 +11653,7 @@
                 <a:tab algn="l" pos="0"/>
               </a:tabLst>
             </a:pPr>
-            <a:fld id="{8B536631-0141-4280-A686-31EAD43FC0D1}" type="slidenum">
+            <a:fld id="{17F8388C-2C71-4DBB-AC62-794469C065C9}" type="slidenum">
               <a:rPr b="0" lang="en-US" sz="1050" strike="noStrike" u="none">
                 <a:solidFill>
                   <a:srgbClr val="ffffff"/>
@@ -12223,7 +12223,7 @@
                 <a:tab algn="l" pos="0"/>
               </a:tabLst>
             </a:pPr>
-            <a:fld id="{CC54C295-0C51-448F-BB51-2CA2C804E073}" type="slidenum">
+            <a:fld id="{49D5DF81-B445-4C89-B23F-D6584034A913}" type="slidenum">
               <a:rPr b="0" lang="en-US" sz="1050" strike="noStrike" u="none">
                 <a:solidFill>
                   <a:srgbClr val="ffffff"/>
@@ -13762,7 +13762,21 @@
                 <a:uFillTx/>
                 <a:latin typeface="Calibri"/>
               </a:rPr>
-              <a:t>Attackers copy/steal customer data such as personal details, contracts, or financial records.</a:t>
+              <a:t>Attackers copy/steal customer data such as personal details, contracts, or financial </a:t>
+            </a:r>
+            <a:r>
+              <a:rPr b="0" lang="en-US" sz="2000" strike="noStrike" u="none">
+                <a:solidFill>
+                  <a:schemeClr val="lt1">
+                    <a:lumMod val="75000"/>
+                    <a:lumOff val="25000"/>
+                  </a:schemeClr>
+                </a:solidFill>
+                <a:effectLst/>
+                <a:uFillTx/>
+                <a:latin typeface="Calibri"/>
+              </a:rPr>
+              <a:t>records.</a:t>
             </a:r>
             <a:endParaRPr b="0" lang="en-US" sz="2000" strike="noStrike" u="none">
               <a:solidFill>
@@ -16579,7 +16593,21 @@
                 <a:uFillTx/>
                 <a:latin typeface="Calibri"/>
               </a:rPr>
-              <a:t>THE MOST SEVERE TYPE IS RANSOMWARE</a:t>
+              <a:t>THE MOST SEVERE TYPE IS </a:t>
+            </a:r>
+            <a:r>
+              <a:rPr b="1" lang="pl-PL" sz="3200" strike="noStrike" u="none">
+                <a:solidFill>
+                  <a:schemeClr val="lt1">
+                    <a:lumMod val="75000"/>
+                    <a:lumOff val="25000"/>
+                  </a:schemeClr>
+                </a:solidFill>
+                <a:effectLst/>
+                <a:uFillTx/>
+                <a:latin typeface="Calibri"/>
+              </a:rPr>
+              <a:t>RANSOMWARE</a:t>
             </a:r>
             <a:endParaRPr b="0" lang="en-US" sz="3200" strike="noStrike" u="none">
               <a:solidFill>
@@ -16616,7 +16644,21 @@
                 <a:uFillTx/>
                 <a:latin typeface="Calibri"/>
               </a:rPr>
-              <a:t>THE MOST COMMON TYPE IS DISRUPTION</a:t>
+              <a:t>THE MOST COMMON TYPE IS </a:t>
+            </a:r>
+            <a:r>
+              <a:rPr b="1" lang="pl-PL" sz="3200" strike="noStrike" u="none">
+                <a:solidFill>
+                  <a:schemeClr val="lt1">
+                    <a:lumMod val="75000"/>
+                    <a:lumOff val="25000"/>
+                  </a:schemeClr>
+                </a:solidFill>
+                <a:effectLst/>
+                <a:uFillTx/>
+                <a:latin typeface="Calibri"/>
+              </a:rPr>
+              <a:t>DISRUPTION</a:t>
             </a:r>
             <a:endParaRPr b="0" lang="en-US" sz="3200" strike="noStrike" u="none">
               <a:solidFill>
@@ -20454,18 +20496,7 @@
                 <a:uFillTx/>
                 <a:latin typeface="Calibri Light"/>
               </a:rPr>
-              <a:t>A 10–15% reduction converts </a:t>
-            </a:r>
-            <a:r>
-              <a:rPr b="0" lang="en-US" sz="2400" spc="201" strike="noStrike" u="none" cap="all">
-                <a:solidFill>
-                  <a:srgbClr val="ffffff"/>
-                </a:solidFill>
-                <a:effectLst/>
-                <a:uFillTx/>
-                <a:latin typeface="Calibri Light"/>
-              </a:rPr>
-              <a:t>directly into $</a:t>
+              <a:t>A 10–15% reduction converts directly into $</a:t>
             </a:r>
             <a:r>
               <a:rPr b="0" lang="pl-PL" sz="2400" spc="201" strike="noStrike" u="none" cap="all">
